--- a/Poster/poster.pptx
+++ b/Poster/poster.pptx
@@ -5810,7 +5810,7 @@
         <p:spPr>
           <a:xfrm>
             <a:off x="1676399" y="25583614"/>
-            <a:ext cx="35236727" cy="3600986"/>
+            <a:ext cx="33615087" cy="3600986"/>
           </a:xfrm>
           <a:prstGeom prst="rect">
             <a:avLst/>
@@ -6892,6 +6892,30 @@
               <a:buFont typeface="Arial" panose="020B0604020202020204" pitchFamily="34" charset="0"/>
               <a:buChar char="•"/>
             </a:pPr>
+            <a:r>
+              <a:rPr lang="en-US" altLang="zh-CN" sz="3200">
+                <a:latin typeface="Arial" panose="020B0604020202020204" pitchFamily="34" charset="0"/>
+                <a:cs typeface="Arial" panose="020B0604020202020204" pitchFamily="34" charset="0"/>
+              </a:rPr>
+              <a:t>Reorder the loop to avoid race </a:t>
+            </a:r>
+            <a:r>
+              <a:rPr lang="en-US" altLang="zh-CN" sz="3200" smtClean="0">
+                <a:latin typeface="Arial" panose="020B0604020202020204" pitchFamily="34" charset="0"/>
+                <a:cs typeface="Arial" panose="020B0604020202020204" pitchFamily="34" charset="0"/>
+              </a:rPr>
+              <a:t>condition</a:t>
+            </a:r>
+            <a:endParaRPr lang="en-US" altLang="zh-CN" sz="3200" dirty="0" smtClean="0">
+              <a:latin typeface="Arial" panose="020B0604020202020204" pitchFamily="34" charset="0"/>
+              <a:cs typeface="Arial" panose="020B0604020202020204" pitchFamily="34" charset="0"/>
+            </a:endParaRPr>
+          </a:p>
+          <a:p>
+            <a:pPr marL="1200150" lvl="1" indent="-457200">
+              <a:buFont typeface="Arial" panose="020B0604020202020204" pitchFamily="34" charset="0"/>
+              <a:buChar char="•"/>
+            </a:pPr>
             <a:endParaRPr lang="en-US" altLang="zh-CN" sz="3200" dirty="0">
               <a:latin typeface="Arial" panose="020B0604020202020204" pitchFamily="34" charset="0"/>
               <a:cs typeface="Arial" panose="020B0604020202020204" pitchFamily="34" charset="0"/>
@@ -6958,19 +6982,6 @@
                 <a:cs typeface="Arial" panose="020B0604020202020204" pitchFamily="34" charset="0"/>
               </a:rPr>
               <a:t>When facing contention, introduce local variables, then send to master and merge</a:t>
-            </a:r>
-          </a:p>
-          <a:p>
-            <a:pPr marL="1200150" lvl="1" indent="-457200">
-              <a:buFont typeface="Arial" panose="020B0604020202020204" pitchFamily="34" charset="0"/>
-              <a:buChar char="•"/>
-            </a:pPr>
-            <a:r>
-              <a:rPr lang="en-US" altLang="zh-CN" sz="3200" dirty="0" smtClean="0">
-                <a:latin typeface="Arial" panose="020B0604020202020204" pitchFamily="34" charset="0"/>
-                <a:cs typeface="Arial" panose="020B0604020202020204" pitchFamily="34" charset="0"/>
-              </a:rPr>
-              <a:t>Reorder the loop to avoid race condition</a:t>
             </a:r>
           </a:p>
           <a:p>
@@ -8690,14 +8701,7 @@
                 <a:latin typeface="Arial" panose="020B0604020202020204" pitchFamily="34" charset="0"/>
                 <a:cs typeface="Arial" panose="020B0604020202020204" pitchFamily="34" charset="0"/>
               </a:rPr>
-              <a:t> and CUDA version’s compress time, split time and net train time </a:t>
-            </a:r>
-            <a:r>
-              <a:rPr lang="en-US" altLang="zh-CN" sz="3200" dirty="0" smtClean="0">
-                <a:latin typeface="Arial" panose="020B0604020202020204" pitchFamily="34" charset="0"/>
-                <a:cs typeface="Arial" panose="020B0604020202020204" pitchFamily="34" charset="0"/>
-              </a:rPr>
-              <a:t>comparison</a:t>
+              <a:t> and CUDA version’s compress time, split time and net train time comparison</a:t>
             </a:r>
             <a:endParaRPr lang="en-US" altLang="zh-CN" sz="3200" dirty="0">
               <a:latin typeface="Arial" panose="020B0604020202020204" pitchFamily="34" charset="0"/>
